--- a/Project/Project.pptx
+++ b/Project/Project.pptx
@@ -5,7 +5,7 @@
     <p:sldMasterId id="2147483660" r:id="rId1"/>
   </p:sldMasterIdLst>
   <p:notesMasterIdLst>
-    <p:notesMasterId r:id="rId13"/>
+    <p:notesMasterId r:id="rId14"/>
   </p:notesMasterIdLst>
   <p:sldIdLst>
     <p:sldId id="257" r:id="rId2"/>
@@ -18,7 +18,8 @@
     <p:sldId id="264" r:id="rId9"/>
     <p:sldId id="261" r:id="rId10"/>
     <p:sldId id="265" r:id="rId11"/>
-    <p:sldId id="266" r:id="rId12"/>
+    <p:sldId id="268" r:id="rId12"/>
+    <p:sldId id="266" r:id="rId13"/>
   </p:sldIdLst>
   <p:sldSz cx="12192000" cy="6858000"/>
   <p:notesSz cx="6858000" cy="9144000"/>
@@ -14027,31 +14028,6 @@
       </p:sp>
       <p:sp>
         <p:nvSpPr>
-          <p:cNvPr id="3" name="Content Placeholder 2">
-            <a:extLst>
-              <a:ext uri="{FF2B5EF4-FFF2-40B4-BE49-F238E27FC236}">
-                <a16:creationId xmlns:a16="http://schemas.microsoft.com/office/drawing/2014/main" id="{5B2D029C-7231-4066-A10B-F27FB8ABB707}"/>
-              </a:ext>
-            </a:extLst>
-          </p:cNvPr>
-          <p:cNvSpPr>
-            <a:spLocks noGrp="1"/>
-          </p:cNvSpPr>
-          <p:nvPr>
-            <p:ph idx="1"/>
-          </p:nvPr>
-        </p:nvSpPr>
-        <p:spPr/>
-        <p:txBody>
-          <a:bodyPr/>
-          <a:lstStyle/>
-          <a:p>
-            <a:endParaRPr lang="en-IN"/>
-          </a:p>
-        </p:txBody>
-      </p:sp>
-      <p:sp>
-        <p:nvSpPr>
           <p:cNvPr id="4" name="Date Placeholder 3">
             <a:extLst>
               <a:ext uri="{FF2B5EF4-FFF2-40B4-BE49-F238E27FC236}">
@@ -14133,6 +14109,66 @@
           </a:p>
         </p:txBody>
       </p:sp>
+      <p:pic>
+        <p:nvPicPr>
+          <p:cNvPr id="8" name="Picture 7">
+            <a:extLst>
+              <a:ext uri="{FF2B5EF4-FFF2-40B4-BE49-F238E27FC236}">
+                <a16:creationId xmlns:a16="http://schemas.microsoft.com/office/drawing/2014/main" id="{7B28F3E1-3A0D-4744-90A4-9AC381B7BE95}"/>
+              </a:ext>
+            </a:extLst>
+          </p:cNvPr>
+          <p:cNvPicPr>
+            <a:picLocks noChangeAspect="1"/>
+          </p:cNvPicPr>
+          <p:nvPr/>
+        </p:nvPicPr>
+        <p:blipFill>
+          <a:blip r:embed="rId2"/>
+          <a:stretch>
+            <a:fillRect/>
+          </a:stretch>
+        </p:blipFill>
+        <p:spPr>
+          <a:xfrm>
+            <a:off x="8007677" y="1780570"/>
+            <a:ext cx="3954937" cy="3287220"/>
+          </a:xfrm>
+          <a:prstGeom prst="rect">
+            <a:avLst/>
+          </a:prstGeom>
+        </p:spPr>
+      </p:pic>
+      <p:pic>
+        <p:nvPicPr>
+          <p:cNvPr id="9" name="Picture 8">
+            <a:extLst>
+              <a:ext uri="{FF2B5EF4-FFF2-40B4-BE49-F238E27FC236}">
+                <a16:creationId xmlns:a16="http://schemas.microsoft.com/office/drawing/2014/main" id="{A8C9DAEE-A8C4-408D-B53A-A7349558C743}"/>
+              </a:ext>
+            </a:extLst>
+          </p:cNvPr>
+          <p:cNvPicPr>
+            <a:picLocks noChangeAspect="1"/>
+          </p:cNvPicPr>
+          <p:nvPr/>
+        </p:nvPicPr>
+        <p:blipFill>
+          <a:blip r:embed="rId3"/>
+          <a:stretch>
+            <a:fillRect/>
+          </a:stretch>
+        </p:blipFill>
+        <p:spPr>
+          <a:xfrm>
+            <a:off x="936396" y="1614430"/>
+            <a:ext cx="6096000" cy="3619500"/>
+          </a:xfrm>
+          <a:prstGeom prst="rect">
+            <a:avLst/>
+          </a:prstGeom>
+        </p:spPr>
+      </p:pic>
     </p:spTree>
     <p:extLst>
       <p:ext uri="{BB962C8B-B14F-4D97-AF65-F5344CB8AC3E}">
@@ -14147,6 +14183,187 @@
 </file>
 
 <file path=ppt/slides/slide11.xml><?xml version="1.0" encoding="utf-8"?>
+<p:sld xmlns:a="http://schemas.openxmlformats.org/drawingml/2006/main" xmlns:r="http://schemas.openxmlformats.org/officeDocument/2006/relationships" xmlns:p="http://schemas.openxmlformats.org/presentationml/2006/main">
+  <p:cSld>
+    <p:spTree>
+      <p:nvGrpSpPr>
+        <p:cNvPr id="1" name=""/>
+        <p:cNvGrpSpPr/>
+        <p:nvPr/>
+      </p:nvGrpSpPr>
+      <p:grpSpPr>
+        <a:xfrm>
+          <a:off x="0" y="0"/>
+          <a:ext cx="0" cy="0"/>
+          <a:chOff x="0" y="0"/>
+          <a:chExt cx="0" cy="0"/>
+        </a:xfrm>
+      </p:grpSpPr>
+      <p:sp>
+        <p:nvSpPr>
+          <p:cNvPr id="2" name="Title 1">
+            <a:extLst>
+              <a:ext uri="{FF2B5EF4-FFF2-40B4-BE49-F238E27FC236}">
+                <a16:creationId xmlns:a16="http://schemas.microsoft.com/office/drawing/2014/main" id="{71CB86DF-D09F-4283-92F2-3F1BBBECF452}"/>
+              </a:ext>
+            </a:extLst>
+          </p:cNvPr>
+          <p:cNvSpPr>
+            <a:spLocks noGrp="1"/>
+          </p:cNvSpPr>
+          <p:nvPr>
+            <p:ph type="title"/>
+          </p:nvPr>
+        </p:nvSpPr>
+        <p:spPr/>
+        <p:txBody>
+          <a:bodyPr/>
+          <a:lstStyle/>
+          <a:p>
+            <a:r>
+              <a:rPr lang="en-IN" dirty="0"/>
+              <a:t>Conclusion</a:t>
+            </a:r>
+          </a:p>
+        </p:txBody>
+      </p:sp>
+      <p:sp>
+        <p:nvSpPr>
+          <p:cNvPr id="3" name="Content Placeholder 2">
+            <a:extLst>
+              <a:ext uri="{FF2B5EF4-FFF2-40B4-BE49-F238E27FC236}">
+                <a16:creationId xmlns:a16="http://schemas.microsoft.com/office/drawing/2014/main" id="{2BE35148-B538-49BA-931C-BD0B7745A0F2}"/>
+              </a:ext>
+            </a:extLst>
+          </p:cNvPr>
+          <p:cNvSpPr>
+            <a:spLocks noGrp="1"/>
+          </p:cNvSpPr>
+          <p:nvPr>
+            <p:ph idx="1"/>
+          </p:nvPr>
+        </p:nvSpPr>
+        <p:spPr/>
+        <p:txBody>
+          <a:bodyPr/>
+          <a:lstStyle/>
+          <a:p>
+            <a:r>
+              <a:rPr lang="en-IN" dirty="0"/>
+              <a:t>The web tool provides easy to navigate functionality for large knowledge graphs</a:t>
+            </a:r>
+          </a:p>
+          <a:p>
+            <a:r>
+              <a:rPr lang="en-IN" dirty="0"/>
+              <a:t>Can be attached to any knowledge graph dataset by implementing the interface</a:t>
+            </a:r>
+          </a:p>
+          <a:p>
+            <a:r>
+              <a:rPr lang="en-IN" dirty="0"/>
+              <a:t>Can perform different kinds of analysis and visualize them in real time</a:t>
+            </a:r>
+          </a:p>
+        </p:txBody>
+      </p:sp>
+      <p:sp>
+        <p:nvSpPr>
+          <p:cNvPr id="4" name="Date Placeholder 3">
+            <a:extLst>
+              <a:ext uri="{FF2B5EF4-FFF2-40B4-BE49-F238E27FC236}">
+                <a16:creationId xmlns:a16="http://schemas.microsoft.com/office/drawing/2014/main" id="{00E572EF-BF95-4B33-A8EA-60C7DA8DF1B9}"/>
+              </a:ext>
+            </a:extLst>
+          </p:cNvPr>
+          <p:cNvSpPr>
+            <a:spLocks noGrp="1"/>
+          </p:cNvSpPr>
+          <p:nvPr>
+            <p:ph type="dt" sz="half" idx="10"/>
+          </p:nvPr>
+        </p:nvSpPr>
+        <p:spPr/>
+        <p:txBody>
+          <a:bodyPr/>
+          <a:lstStyle/>
+          <a:p>
+            <a:fld id="{CB9FA82F-D473-46A5-8BC7-A7942AEE8F3B}" type="datetime5">
+              <a:rPr lang="en-US" smtClean="0"/>
+              <a:t>4-Apr-19</a:t>
+            </a:fld>
+            <a:endParaRPr lang="en-US"/>
+          </a:p>
+        </p:txBody>
+      </p:sp>
+      <p:sp>
+        <p:nvSpPr>
+          <p:cNvPr id="5" name="Footer Placeholder 4">
+            <a:extLst>
+              <a:ext uri="{FF2B5EF4-FFF2-40B4-BE49-F238E27FC236}">
+                <a16:creationId xmlns:a16="http://schemas.microsoft.com/office/drawing/2014/main" id="{A93CF6FC-1D8D-4952-AC08-15B83BB2C62E}"/>
+              </a:ext>
+            </a:extLst>
+          </p:cNvPr>
+          <p:cNvSpPr>
+            <a:spLocks noGrp="1"/>
+          </p:cNvSpPr>
+          <p:nvPr>
+            <p:ph type="ftr" sz="quarter" idx="11"/>
+          </p:nvPr>
+        </p:nvSpPr>
+        <p:spPr/>
+        <p:txBody>
+          <a:bodyPr/>
+          <a:lstStyle/>
+          <a:p>
+            <a:endParaRPr lang="en-US"/>
+          </a:p>
+        </p:txBody>
+      </p:sp>
+      <p:sp>
+        <p:nvSpPr>
+          <p:cNvPr id="6" name="Slide Number Placeholder 5">
+            <a:extLst>
+              <a:ext uri="{FF2B5EF4-FFF2-40B4-BE49-F238E27FC236}">
+                <a16:creationId xmlns:a16="http://schemas.microsoft.com/office/drawing/2014/main" id="{D2AE2B0E-0335-4C61-A50F-513ED18D1211}"/>
+              </a:ext>
+            </a:extLst>
+          </p:cNvPr>
+          <p:cNvSpPr>
+            <a:spLocks noGrp="1"/>
+          </p:cNvSpPr>
+          <p:nvPr>
+            <p:ph type="sldNum" sz="quarter" idx="12"/>
+          </p:nvPr>
+        </p:nvSpPr>
+        <p:spPr/>
+        <p:txBody>
+          <a:bodyPr/>
+          <a:lstStyle/>
+          <a:p>
+            <a:fld id="{9EFCAA85-8796-4B17-9CA3-4CB18724EF60}" type="slidenum">
+              <a:rPr lang="en-US" smtClean="0"/>
+              <a:t>11</a:t>
+            </a:fld>
+            <a:endParaRPr lang="en-US"/>
+          </a:p>
+        </p:txBody>
+      </p:sp>
+    </p:spTree>
+    <p:extLst>
+      <p:ext uri="{BB962C8B-B14F-4D97-AF65-F5344CB8AC3E}">
+        <p14:creationId xmlns:p14="http://schemas.microsoft.com/office/powerpoint/2010/main" val="316252669"/>
+      </p:ext>
+    </p:extLst>
+  </p:cSld>
+  <p:clrMapOvr>
+    <a:masterClrMapping/>
+  </p:clrMapOvr>
+</p:sld>
+</file>
+
+<file path=ppt/slides/slide12.xml><?xml version="1.0" encoding="utf-8"?>
 <p:sld xmlns:a="http://schemas.openxmlformats.org/drawingml/2006/main" xmlns:r="http://schemas.openxmlformats.org/officeDocument/2006/relationships" xmlns:p="http://schemas.openxmlformats.org/presentationml/2006/main">
   <p:cSld>
     <p:spTree>
@@ -14207,12 +14424,77 @@
             <p:ph idx="1"/>
           </p:nvPr>
         </p:nvSpPr>
-        <p:spPr/>
+        <p:spPr>
+          <a:xfrm>
+            <a:off x="838200" y="1825625"/>
+            <a:ext cx="10832184" cy="4530726"/>
+          </a:xfrm>
+        </p:spPr>
         <p:txBody>
           <a:bodyPr/>
           <a:lstStyle/>
           <a:p>
-            <a:endParaRPr lang="en-IN"/>
+            <a:r>
+              <a:rPr lang="en-IN" dirty="0">
+                <a:hlinkClick r:id="rId2"/>
+              </a:rPr>
+              <a:t>https://ieeexplore.ieee.org/stamp/stamp.jsp?arnumber=7358050</a:t>
+            </a:r>
+            <a:endParaRPr lang="en-IN" dirty="0"/>
+          </a:p>
+          <a:p>
+            <a:r>
+              <a:rPr lang="en-IN" dirty="0">
+                <a:hlinkClick r:id="rId3"/>
+              </a:rPr>
+              <a:t>http://postgrest.org/en/v5.2/index.html</a:t>
+            </a:r>
+            <a:endParaRPr lang="en-IN" dirty="0"/>
+          </a:p>
+          <a:p>
+            <a:r>
+              <a:rPr lang="en-IN" dirty="0">
+                <a:hlinkClick r:id="rId4"/>
+              </a:rPr>
+              <a:t>https://github.com/d3/d3-force#many-body</a:t>
+            </a:r>
+            <a:endParaRPr lang="en-IN" dirty="0"/>
+          </a:p>
+          <a:p>
+            <a:r>
+              <a:rPr lang="en-IN" dirty="0">
+                <a:hlinkClick r:id="rId5"/>
+              </a:rPr>
+              <a:t>https://www.mpi-inf.mpg.de/departments/databases-and-information-systems/research/yago-naga/yago/</a:t>
+            </a:r>
+            <a:endParaRPr lang="en-IN" dirty="0"/>
+          </a:p>
+          <a:p>
+            <a:r>
+              <a:rPr lang="en-IN" dirty="0">
+                <a:hlinkClick r:id="rId6"/>
+              </a:rPr>
+              <a:t>https://www.postgresql.org/docs/9.6/pgtrgm.html</a:t>
+            </a:r>
+            <a:endParaRPr lang="en-IN" dirty="0"/>
+          </a:p>
+          <a:p>
+            <a:r>
+              <a:rPr lang="en-IN" dirty="0">
+                <a:hlinkClick r:id="rId7"/>
+              </a:rPr>
+              <a:t>https://bl.ocks.org/heybignick/3faf257bbbbc7743bb72310d03b86ee8</a:t>
+            </a:r>
+            <a:endParaRPr lang="en-IN" dirty="0"/>
+          </a:p>
+          <a:p>
+            <a:r>
+              <a:rPr lang="en-IN" dirty="0">
+                <a:hlinkClick r:id="rId8"/>
+              </a:rPr>
+              <a:t>https://wordnet.princeton.edu</a:t>
+            </a:r>
+            <a:endParaRPr lang="en-IN" dirty="0"/>
           </a:p>
         </p:txBody>
       </p:sp>
@@ -14293,7 +14575,7 @@
           <a:p>
             <a:fld id="{9EFCAA85-8796-4B17-9CA3-4CB18724EF60}" type="slidenum">
               <a:rPr lang="en-US" smtClean="0"/>
-              <a:t>11</a:t>
+              <a:t>12</a:t>
             </a:fld>
             <a:endParaRPr lang="en-US"/>
           </a:p>
